--- a/ppt 16-9/0526当洒心灵泪.pptx
+++ b/ppt 16-9/0526当洒心灵泪.pptx
@@ -5,7 +5,7 @@
     <p:sldMasterId id="2147483648" r:id="rId1"/>
   </p:sldMasterIdLst>
   <p:sldIdLst>
-    <p:sldId id="2263" r:id="rId2"/>
+    <p:sldId id="2265" r:id="rId2"/>
   </p:sldIdLst>
   <p:sldSz cx="12192000" cy="6858000"/>
   <p:notesSz cx="6858000" cy="9144000"/>
@@ -129,7 +129,7 @@
           <p:cNvPr id="2" name="标题 1">
             <a:extLst>
               <a:ext uri="{FF2B5EF4-FFF2-40B4-BE49-F238E27FC236}">
-                <a16:creationId xmlns:a16="http://schemas.microsoft.com/office/drawing/2014/main" id="{3969FCB0-22BD-AD87-F6B6-D33C21CB9928}"/>
+                <a16:creationId xmlns:a16="http://schemas.microsoft.com/office/drawing/2014/main" id="{5B142F5D-6332-7F7D-AA72-6A9E2FA9C25F}"/>
               </a:ext>
             </a:extLst>
           </p:cNvPr>
@@ -166,7 +166,7 @@
           <p:cNvPr id="3" name="副标题 2">
             <a:extLst>
               <a:ext uri="{FF2B5EF4-FFF2-40B4-BE49-F238E27FC236}">
-                <a16:creationId xmlns:a16="http://schemas.microsoft.com/office/drawing/2014/main" id="{1FE1F636-E459-579E-1DB7-6BD5A90F9F21}"/>
+                <a16:creationId xmlns:a16="http://schemas.microsoft.com/office/drawing/2014/main" id="{459885DE-0762-F19B-8522-FC9BA91229AA}"/>
               </a:ext>
             </a:extLst>
           </p:cNvPr>
@@ -236,7 +236,7 @@
           <p:cNvPr id="4" name="日期占位符 3">
             <a:extLst>
               <a:ext uri="{FF2B5EF4-FFF2-40B4-BE49-F238E27FC236}">
-                <a16:creationId xmlns:a16="http://schemas.microsoft.com/office/drawing/2014/main" id="{68F61B14-BD5B-BBD2-8E84-D35CE67DF676}"/>
+                <a16:creationId xmlns:a16="http://schemas.microsoft.com/office/drawing/2014/main" id="{D4C16CAD-FD97-37CC-B408-443D130AC7AD}"/>
               </a:ext>
             </a:extLst>
           </p:cNvPr>
@@ -252,7 +252,7 @@
           <a:bodyPr/>
           <a:lstStyle/>
           <a:p>
-            <a:fld id="{E9355CE5-B33E-41DA-B796-4186B9DB9C97}" type="datetimeFigureOut">
+            <a:fld id="{7BA3853D-5FDE-4C77-9E19-C9F8ACC9E5A5}" type="datetimeFigureOut">
               <a:rPr lang="zh-CN" altLang="en-US" smtClean="0"/>
               <a:t>2024/3/10</a:t>
             </a:fld>
@@ -265,7 +265,7 @@
           <p:cNvPr id="5" name="页脚占位符 4">
             <a:extLst>
               <a:ext uri="{FF2B5EF4-FFF2-40B4-BE49-F238E27FC236}">
-                <a16:creationId xmlns:a16="http://schemas.microsoft.com/office/drawing/2014/main" id="{FAC9A71A-CE4D-7A18-C58B-2447D286EDAD}"/>
+                <a16:creationId xmlns:a16="http://schemas.microsoft.com/office/drawing/2014/main" id="{5D5CE41E-9061-8FB6-9B5E-CAC0A93E9CA8}"/>
               </a:ext>
             </a:extLst>
           </p:cNvPr>
@@ -290,7 +290,7 @@
           <p:cNvPr id="6" name="灯片编号占位符 5">
             <a:extLst>
               <a:ext uri="{FF2B5EF4-FFF2-40B4-BE49-F238E27FC236}">
-                <a16:creationId xmlns:a16="http://schemas.microsoft.com/office/drawing/2014/main" id="{2D3A93FE-3190-8D0D-AD48-23F33F7F0998}"/>
+                <a16:creationId xmlns:a16="http://schemas.microsoft.com/office/drawing/2014/main" id="{9DB7BA4F-6710-E2A4-D940-73B16696CAFD}"/>
               </a:ext>
             </a:extLst>
           </p:cNvPr>
@@ -306,7 +306,7 @@
           <a:bodyPr/>
           <a:lstStyle/>
           <a:p>
-            <a:fld id="{F2F061D3-AAE6-4141-8541-807CC74EE578}" type="slidenum">
+            <a:fld id="{CC798434-6F06-4313-8F99-9C33ABD7829E}" type="slidenum">
               <a:rPr lang="zh-CN" altLang="en-US" smtClean="0"/>
               <a:t>‹#›</a:t>
             </a:fld>
@@ -317,7 +317,7 @@
     </p:spTree>
     <p:extLst>
       <p:ext uri="{BB962C8B-B14F-4D97-AF65-F5344CB8AC3E}">
-        <p14:creationId xmlns:p14="http://schemas.microsoft.com/office/powerpoint/2010/main" val="3424440055"/>
+        <p14:creationId xmlns:p14="http://schemas.microsoft.com/office/powerpoint/2010/main" val="135846222"/>
       </p:ext>
     </p:extLst>
   </p:cSld>
@@ -349,7 +349,7 @@
           <p:cNvPr id="2" name="标题 1">
             <a:extLst>
               <a:ext uri="{FF2B5EF4-FFF2-40B4-BE49-F238E27FC236}">
-                <a16:creationId xmlns:a16="http://schemas.microsoft.com/office/drawing/2014/main" id="{DEEB06BD-A22F-EB59-DFAE-4F22440C6BE3}"/>
+                <a16:creationId xmlns:a16="http://schemas.microsoft.com/office/drawing/2014/main" id="{969F7A97-EF47-18D4-D584-39B1C0BFDEE5}"/>
               </a:ext>
             </a:extLst>
           </p:cNvPr>
@@ -377,7 +377,7 @@
           <p:cNvPr id="3" name="竖排文字占位符 2">
             <a:extLst>
               <a:ext uri="{FF2B5EF4-FFF2-40B4-BE49-F238E27FC236}">
-                <a16:creationId xmlns:a16="http://schemas.microsoft.com/office/drawing/2014/main" id="{B89E8673-7EA3-2799-682F-048B7C742B7B}"/>
+                <a16:creationId xmlns:a16="http://schemas.microsoft.com/office/drawing/2014/main" id="{B3D92330-46F6-D4B2-CBCB-508AA808FB49}"/>
               </a:ext>
             </a:extLst>
           </p:cNvPr>
@@ -434,7 +434,7 @@
           <p:cNvPr id="4" name="日期占位符 3">
             <a:extLst>
               <a:ext uri="{FF2B5EF4-FFF2-40B4-BE49-F238E27FC236}">
-                <a16:creationId xmlns:a16="http://schemas.microsoft.com/office/drawing/2014/main" id="{C576FBCA-734F-E175-153A-551ECA16F848}"/>
+                <a16:creationId xmlns:a16="http://schemas.microsoft.com/office/drawing/2014/main" id="{263EEAB5-12E4-E67B-3E94-F473640441A5}"/>
               </a:ext>
             </a:extLst>
           </p:cNvPr>
@@ -450,7 +450,7 @@
           <a:bodyPr/>
           <a:lstStyle/>
           <a:p>
-            <a:fld id="{E9355CE5-B33E-41DA-B796-4186B9DB9C97}" type="datetimeFigureOut">
+            <a:fld id="{7BA3853D-5FDE-4C77-9E19-C9F8ACC9E5A5}" type="datetimeFigureOut">
               <a:rPr lang="zh-CN" altLang="en-US" smtClean="0"/>
               <a:t>2024/3/10</a:t>
             </a:fld>
@@ -463,7 +463,7 @@
           <p:cNvPr id="5" name="页脚占位符 4">
             <a:extLst>
               <a:ext uri="{FF2B5EF4-FFF2-40B4-BE49-F238E27FC236}">
-                <a16:creationId xmlns:a16="http://schemas.microsoft.com/office/drawing/2014/main" id="{C4CF1D2F-897F-207A-57E9-9CF77CDC24CD}"/>
+                <a16:creationId xmlns:a16="http://schemas.microsoft.com/office/drawing/2014/main" id="{565891E1-4A20-DF8B-E01A-C0679D89706E}"/>
               </a:ext>
             </a:extLst>
           </p:cNvPr>
@@ -488,7 +488,7 @@
           <p:cNvPr id="6" name="灯片编号占位符 5">
             <a:extLst>
               <a:ext uri="{FF2B5EF4-FFF2-40B4-BE49-F238E27FC236}">
-                <a16:creationId xmlns:a16="http://schemas.microsoft.com/office/drawing/2014/main" id="{472ADA3C-575F-D610-43BF-26058EE0C402}"/>
+                <a16:creationId xmlns:a16="http://schemas.microsoft.com/office/drawing/2014/main" id="{3FDB223D-9E05-A4A4-5411-8223EA0C28E7}"/>
               </a:ext>
             </a:extLst>
           </p:cNvPr>
@@ -504,7 +504,7 @@
           <a:bodyPr/>
           <a:lstStyle/>
           <a:p>
-            <a:fld id="{F2F061D3-AAE6-4141-8541-807CC74EE578}" type="slidenum">
+            <a:fld id="{CC798434-6F06-4313-8F99-9C33ABD7829E}" type="slidenum">
               <a:rPr lang="zh-CN" altLang="en-US" smtClean="0"/>
               <a:t>‹#›</a:t>
             </a:fld>
@@ -515,7 +515,7 @@
     </p:spTree>
     <p:extLst>
       <p:ext uri="{BB962C8B-B14F-4D97-AF65-F5344CB8AC3E}">
-        <p14:creationId xmlns:p14="http://schemas.microsoft.com/office/powerpoint/2010/main" val="2912993151"/>
+        <p14:creationId xmlns:p14="http://schemas.microsoft.com/office/powerpoint/2010/main" val="238782683"/>
       </p:ext>
     </p:extLst>
   </p:cSld>
@@ -547,7 +547,7 @@
           <p:cNvPr id="2" name="竖排标题 1">
             <a:extLst>
               <a:ext uri="{FF2B5EF4-FFF2-40B4-BE49-F238E27FC236}">
-                <a16:creationId xmlns:a16="http://schemas.microsoft.com/office/drawing/2014/main" id="{0CB5D810-437C-5B78-1DBC-8C302D7A7463}"/>
+                <a16:creationId xmlns:a16="http://schemas.microsoft.com/office/drawing/2014/main" id="{3CD554FA-7496-C183-5875-ABDA88454B60}"/>
               </a:ext>
             </a:extLst>
           </p:cNvPr>
@@ -580,7 +580,7 @@
           <p:cNvPr id="3" name="竖排文字占位符 2">
             <a:extLst>
               <a:ext uri="{FF2B5EF4-FFF2-40B4-BE49-F238E27FC236}">
-                <a16:creationId xmlns:a16="http://schemas.microsoft.com/office/drawing/2014/main" id="{8887B93E-F176-6095-BA05-BCAFBECBDCBC}"/>
+                <a16:creationId xmlns:a16="http://schemas.microsoft.com/office/drawing/2014/main" id="{0E19AC13-A8A5-4819-BF63-DEB19661C65B}"/>
               </a:ext>
             </a:extLst>
           </p:cNvPr>
@@ -642,7 +642,7 @@
           <p:cNvPr id="4" name="日期占位符 3">
             <a:extLst>
               <a:ext uri="{FF2B5EF4-FFF2-40B4-BE49-F238E27FC236}">
-                <a16:creationId xmlns:a16="http://schemas.microsoft.com/office/drawing/2014/main" id="{153D48DF-04E9-5DEE-EFBA-20E59E2B5551}"/>
+                <a16:creationId xmlns:a16="http://schemas.microsoft.com/office/drawing/2014/main" id="{39233F97-F6C4-91B1-32F8-CEEC1E19393A}"/>
               </a:ext>
             </a:extLst>
           </p:cNvPr>
@@ -658,7 +658,7 @@
           <a:bodyPr/>
           <a:lstStyle/>
           <a:p>
-            <a:fld id="{E9355CE5-B33E-41DA-B796-4186B9DB9C97}" type="datetimeFigureOut">
+            <a:fld id="{7BA3853D-5FDE-4C77-9E19-C9F8ACC9E5A5}" type="datetimeFigureOut">
               <a:rPr lang="zh-CN" altLang="en-US" smtClean="0"/>
               <a:t>2024/3/10</a:t>
             </a:fld>
@@ -671,7 +671,7 @@
           <p:cNvPr id="5" name="页脚占位符 4">
             <a:extLst>
               <a:ext uri="{FF2B5EF4-FFF2-40B4-BE49-F238E27FC236}">
-                <a16:creationId xmlns:a16="http://schemas.microsoft.com/office/drawing/2014/main" id="{A5506069-F0CD-2186-BD5F-EF8D3B501444}"/>
+                <a16:creationId xmlns:a16="http://schemas.microsoft.com/office/drawing/2014/main" id="{43E7958B-AF5D-EC70-F867-2CCF6D88E18B}"/>
               </a:ext>
             </a:extLst>
           </p:cNvPr>
@@ -696,7 +696,7 @@
           <p:cNvPr id="6" name="灯片编号占位符 5">
             <a:extLst>
               <a:ext uri="{FF2B5EF4-FFF2-40B4-BE49-F238E27FC236}">
-                <a16:creationId xmlns:a16="http://schemas.microsoft.com/office/drawing/2014/main" id="{36EDB55C-2DB4-EDD7-8127-D26E03FB411D}"/>
+                <a16:creationId xmlns:a16="http://schemas.microsoft.com/office/drawing/2014/main" id="{4B10F71F-BF21-D42A-2D49-08BE5CCDA00C}"/>
               </a:ext>
             </a:extLst>
           </p:cNvPr>
@@ -712,7 +712,7 @@
           <a:bodyPr/>
           <a:lstStyle/>
           <a:p>
-            <a:fld id="{F2F061D3-AAE6-4141-8541-807CC74EE578}" type="slidenum">
+            <a:fld id="{CC798434-6F06-4313-8F99-9C33ABD7829E}" type="slidenum">
               <a:rPr lang="zh-CN" altLang="en-US" smtClean="0"/>
               <a:t>‹#›</a:t>
             </a:fld>
@@ -723,7 +723,7 @@
     </p:spTree>
     <p:extLst>
       <p:ext uri="{BB962C8B-B14F-4D97-AF65-F5344CB8AC3E}">
-        <p14:creationId xmlns:p14="http://schemas.microsoft.com/office/powerpoint/2010/main" val="3427278882"/>
+        <p14:creationId xmlns:p14="http://schemas.microsoft.com/office/powerpoint/2010/main" val="185908847"/>
       </p:ext>
     </p:extLst>
   </p:cSld>
@@ -755,7 +755,7 @@
           <p:cNvPr id="2" name="标题 1">
             <a:extLst>
               <a:ext uri="{FF2B5EF4-FFF2-40B4-BE49-F238E27FC236}">
-                <a16:creationId xmlns:a16="http://schemas.microsoft.com/office/drawing/2014/main" id="{1CDFB7C5-54D2-A946-DCE2-32F1AA49D550}"/>
+                <a16:creationId xmlns:a16="http://schemas.microsoft.com/office/drawing/2014/main" id="{D00D83BC-5C8D-D9A1-34D4-7D4843851AB7}"/>
               </a:ext>
             </a:extLst>
           </p:cNvPr>
@@ -783,7 +783,7 @@
           <p:cNvPr id="3" name="内容占位符 2">
             <a:extLst>
               <a:ext uri="{FF2B5EF4-FFF2-40B4-BE49-F238E27FC236}">
-                <a16:creationId xmlns:a16="http://schemas.microsoft.com/office/drawing/2014/main" id="{2A60ECC8-3EFF-658F-917F-4837DF3E3C1A}"/>
+                <a16:creationId xmlns:a16="http://schemas.microsoft.com/office/drawing/2014/main" id="{955958AF-2573-CA90-E040-9FE893F7F0A6}"/>
               </a:ext>
             </a:extLst>
           </p:cNvPr>
@@ -840,7 +840,7 @@
           <p:cNvPr id="4" name="日期占位符 3">
             <a:extLst>
               <a:ext uri="{FF2B5EF4-FFF2-40B4-BE49-F238E27FC236}">
-                <a16:creationId xmlns:a16="http://schemas.microsoft.com/office/drawing/2014/main" id="{30E47266-DDA6-063E-E79F-EEC7EB4E8E4F}"/>
+                <a16:creationId xmlns:a16="http://schemas.microsoft.com/office/drawing/2014/main" id="{0982D301-EB37-6A2B-1704-39F0EED0EF12}"/>
               </a:ext>
             </a:extLst>
           </p:cNvPr>
@@ -856,7 +856,7 @@
           <a:bodyPr/>
           <a:lstStyle/>
           <a:p>
-            <a:fld id="{E9355CE5-B33E-41DA-B796-4186B9DB9C97}" type="datetimeFigureOut">
+            <a:fld id="{7BA3853D-5FDE-4C77-9E19-C9F8ACC9E5A5}" type="datetimeFigureOut">
               <a:rPr lang="zh-CN" altLang="en-US" smtClean="0"/>
               <a:t>2024/3/10</a:t>
             </a:fld>
@@ -869,7 +869,7 @@
           <p:cNvPr id="5" name="页脚占位符 4">
             <a:extLst>
               <a:ext uri="{FF2B5EF4-FFF2-40B4-BE49-F238E27FC236}">
-                <a16:creationId xmlns:a16="http://schemas.microsoft.com/office/drawing/2014/main" id="{2641696E-BA05-B689-ED4A-54B205CF0214}"/>
+                <a16:creationId xmlns:a16="http://schemas.microsoft.com/office/drawing/2014/main" id="{C3BCF8A2-0566-D3DE-499C-E68066B9F163}"/>
               </a:ext>
             </a:extLst>
           </p:cNvPr>
@@ -894,7 +894,7 @@
           <p:cNvPr id="6" name="灯片编号占位符 5">
             <a:extLst>
               <a:ext uri="{FF2B5EF4-FFF2-40B4-BE49-F238E27FC236}">
-                <a16:creationId xmlns:a16="http://schemas.microsoft.com/office/drawing/2014/main" id="{E927AFC7-925B-4097-49A5-A9E4199191BF}"/>
+                <a16:creationId xmlns:a16="http://schemas.microsoft.com/office/drawing/2014/main" id="{0AFAEF4B-669E-3B9F-7CA3-08C875B9C879}"/>
               </a:ext>
             </a:extLst>
           </p:cNvPr>
@@ -910,7 +910,7 @@
           <a:bodyPr/>
           <a:lstStyle/>
           <a:p>
-            <a:fld id="{F2F061D3-AAE6-4141-8541-807CC74EE578}" type="slidenum">
+            <a:fld id="{CC798434-6F06-4313-8F99-9C33ABD7829E}" type="slidenum">
               <a:rPr lang="zh-CN" altLang="en-US" smtClean="0"/>
               <a:t>‹#›</a:t>
             </a:fld>
@@ -921,7 +921,7 @@
     </p:spTree>
     <p:extLst>
       <p:ext uri="{BB962C8B-B14F-4D97-AF65-F5344CB8AC3E}">
-        <p14:creationId xmlns:p14="http://schemas.microsoft.com/office/powerpoint/2010/main" val="2193891159"/>
+        <p14:creationId xmlns:p14="http://schemas.microsoft.com/office/powerpoint/2010/main" val="703280704"/>
       </p:ext>
     </p:extLst>
   </p:cSld>
@@ -953,7 +953,7 @@
           <p:cNvPr id="2" name="标题 1">
             <a:extLst>
               <a:ext uri="{FF2B5EF4-FFF2-40B4-BE49-F238E27FC236}">
-                <a16:creationId xmlns:a16="http://schemas.microsoft.com/office/drawing/2014/main" id="{ED1656A3-73C9-E22A-2167-E2C79A4E2238}"/>
+                <a16:creationId xmlns:a16="http://schemas.microsoft.com/office/drawing/2014/main" id="{20673FC4-B2D5-F237-A295-9788EC4D11B5}"/>
               </a:ext>
             </a:extLst>
           </p:cNvPr>
@@ -990,7 +990,7 @@
           <p:cNvPr id="3" name="文本占位符 2">
             <a:extLst>
               <a:ext uri="{FF2B5EF4-FFF2-40B4-BE49-F238E27FC236}">
-                <a16:creationId xmlns:a16="http://schemas.microsoft.com/office/drawing/2014/main" id="{D97B67F9-90EA-46BB-02C6-B75AD9ABF711}"/>
+                <a16:creationId xmlns:a16="http://schemas.microsoft.com/office/drawing/2014/main" id="{5E1054E8-E307-AAC9-71AD-6BC6F802D057}"/>
               </a:ext>
             </a:extLst>
           </p:cNvPr>
@@ -1115,7 +1115,7 @@
           <p:cNvPr id="4" name="日期占位符 3">
             <a:extLst>
               <a:ext uri="{FF2B5EF4-FFF2-40B4-BE49-F238E27FC236}">
-                <a16:creationId xmlns:a16="http://schemas.microsoft.com/office/drawing/2014/main" id="{8B081673-BE07-97DD-617C-087E28C16629}"/>
+                <a16:creationId xmlns:a16="http://schemas.microsoft.com/office/drawing/2014/main" id="{77AD3A7D-B2CE-AA98-C286-F62EBB9AC99D}"/>
               </a:ext>
             </a:extLst>
           </p:cNvPr>
@@ -1131,7 +1131,7 @@
           <a:bodyPr/>
           <a:lstStyle/>
           <a:p>
-            <a:fld id="{E9355CE5-B33E-41DA-B796-4186B9DB9C97}" type="datetimeFigureOut">
+            <a:fld id="{7BA3853D-5FDE-4C77-9E19-C9F8ACC9E5A5}" type="datetimeFigureOut">
               <a:rPr lang="zh-CN" altLang="en-US" smtClean="0"/>
               <a:t>2024/3/10</a:t>
             </a:fld>
@@ -1144,7 +1144,7 @@
           <p:cNvPr id="5" name="页脚占位符 4">
             <a:extLst>
               <a:ext uri="{FF2B5EF4-FFF2-40B4-BE49-F238E27FC236}">
-                <a16:creationId xmlns:a16="http://schemas.microsoft.com/office/drawing/2014/main" id="{41DD5C57-2002-2C87-91CB-463D4B8673AB}"/>
+                <a16:creationId xmlns:a16="http://schemas.microsoft.com/office/drawing/2014/main" id="{CF4BFCD1-0043-C83F-4D49-FCF37C41018E}"/>
               </a:ext>
             </a:extLst>
           </p:cNvPr>
@@ -1169,7 +1169,7 @@
           <p:cNvPr id="6" name="灯片编号占位符 5">
             <a:extLst>
               <a:ext uri="{FF2B5EF4-FFF2-40B4-BE49-F238E27FC236}">
-                <a16:creationId xmlns:a16="http://schemas.microsoft.com/office/drawing/2014/main" id="{26941436-7EAF-F695-67DB-34E029876867}"/>
+                <a16:creationId xmlns:a16="http://schemas.microsoft.com/office/drawing/2014/main" id="{1B81E2E0-FFDE-3032-000E-839344E227D3}"/>
               </a:ext>
             </a:extLst>
           </p:cNvPr>
@@ -1185,7 +1185,7 @@
           <a:bodyPr/>
           <a:lstStyle/>
           <a:p>
-            <a:fld id="{F2F061D3-AAE6-4141-8541-807CC74EE578}" type="slidenum">
+            <a:fld id="{CC798434-6F06-4313-8F99-9C33ABD7829E}" type="slidenum">
               <a:rPr lang="zh-CN" altLang="en-US" smtClean="0"/>
               <a:t>‹#›</a:t>
             </a:fld>
@@ -1196,7 +1196,7 @@
     </p:spTree>
     <p:extLst>
       <p:ext uri="{BB962C8B-B14F-4D97-AF65-F5344CB8AC3E}">
-        <p14:creationId xmlns:p14="http://schemas.microsoft.com/office/powerpoint/2010/main" val="3273459785"/>
+        <p14:creationId xmlns:p14="http://schemas.microsoft.com/office/powerpoint/2010/main" val="1453028888"/>
       </p:ext>
     </p:extLst>
   </p:cSld>
@@ -1228,7 +1228,7 @@
           <p:cNvPr id="2" name="标题 1">
             <a:extLst>
               <a:ext uri="{FF2B5EF4-FFF2-40B4-BE49-F238E27FC236}">
-                <a16:creationId xmlns:a16="http://schemas.microsoft.com/office/drawing/2014/main" id="{69ECC790-6F44-E4D4-7AE4-25BC0BED54DD}"/>
+                <a16:creationId xmlns:a16="http://schemas.microsoft.com/office/drawing/2014/main" id="{7DC9B5D5-5898-6D4D-AEE3-1ADBF31DA96D}"/>
               </a:ext>
             </a:extLst>
           </p:cNvPr>
@@ -1256,7 +1256,7 @@
           <p:cNvPr id="3" name="内容占位符 2">
             <a:extLst>
               <a:ext uri="{FF2B5EF4-FFF2-40B4-BE49-F238E27FC236}">
-                <a16:creationId xmlns:a16="http://schemas.microsoft.com/office/drawing/2014/main" id="{3F1B9900-7CF4-8721-3ADE-103F2D1B9DB0}"/>
+                <a16:creationId xmlns:a16="http://schemas.microsoft.com/office/drawing/2014/main" id="{53DAF239-9F34-30D5-1541-664AAA2387E0}"/>
               </a:ext>
             </a:extLst>
           </p:cNvPr>
@@ -1318,7 +1318,7 @@
           <p:cNvPr id="4" name="内容占位符 3">
             <a:extLst>
               <a:ext uri="{FF2B5EF4-FFF2-40B4-BE49-F238E27FC236}">
-                <a16:creationId xmlns:a16="http://schemas.microsoft.com/office/drawing/2014/main" id="{2AD7E1EC-AFA4-3E0C-53C8-8B65123CCBED}"/>
+                <a16:creationId xmlns:a16="http://schemas.microsoft.com/office/drawing/2014/main" id="{41BCE0E8-041C-A5BB-F22A-7DF4F8553948}"/>
               </a:ext>
             </a:extLst>
           </p:cNvPr>
@@ -1380,7 +1380,7 @@
           <p:cNvPr id="5" name="日期占位符 4">
             <a:extLst>
               <a:ext uri="{FF2B5EF4-FFF2-40B4-BE49-F238E27FC236}">
-                <a16:creationId xmlns:a16="http://schemas.microsoft.com/office/drawing/2014/main" id="{8E77093E-5F84-7263-B660-070F30798102}"/>
+                <a16:creationId xmlns:a16="http://schemas.microsoft.com/office/drawing/2014/main" id="{DB8C64B1-DCAE-ABC1-743C-2DD0E53616BB}"/>
               </a:ext>
             </a:extLst>
           </p:cNvPr>
@@ -1396,7 +1396,7 @@
           <a:bodyPr/>
           <a:lstStyle/>
           <a:p>
-            <a:fld id="{E9355CE5-B33E-41DA-B796-4186B9DB9C97}" type="datetimeFigureOut">
+            <a:fld id="{7BA3853D-5FDE-4C77-9E19-C9F8ACC9E5A5}" type="datetimeFigureOut">
               <a:rPr lang="zh-CN" altLang="en-US" smtClean="0"/>
               <a:t>2024/3/10</a:t>
             </a:fld>
@@ -1409,7 +1409,7 @@
           <p:cNvPr id="6" name="页脚占位符 5">
             <a:extLst>
               <a:ext uri="{FF2B5EF4-FFF2-40B4-BE49-F238E27FC236}">
-                <a16:creationId xmlns:a16="http://schemas.microsoft.com/office/drawing/2014/main" id="{CE8FEAA7-30B9-BCD2-8D8B-BAD7E9D22483}"/>
+                <a16:creationId xmlns:a16="http://schemas.microsoft.com/office/drawing/2014/main" id="{7C7614BD-2F39-D836-0493-02E96691F007}"/>
               </a:ext>
             </a:extLst>
           </p:cNvPr>
@@ -1434,7 +1434,7 @@
           <p:cNvPr id="7" name="灯片编号占位符 6">
             <a:extLst>
               <a:ext uri="{FF2B5EF4-FFF2-40B4-BE49-F238E27FC236}">
-                <a16:creationId xmlns:a16="http://schemas.microsoft.com/office/drawing/2014/main" id="{D6C71D80-C4D4-1BC1-0394-DDB57EEF4F24}"/>
+                <a16:creationId xmlns:a16="http://schemas.microsoft.com/office/drawing/2014/main" id="{6A374303-9FA1-9880-3954-BEA2AE1808D5}"/>
               </a:ext>
             </a:extLst>
           </p:cNvPr>
@@ -1450,7 +1450,7 @@
           <a:bodyPr/>
           <a:lstStyle/>
           <a:p>
-            <a:fld id="{F2F061D3-AAE6-4141-8541-807CC74EE578}" type="slidenum">
+            <a:fld id="{CC798434-6F06-4313-8F99-9C33ABD7829E}" type="slidenum">
               <a:rPr lang="zh-CN" altLang="en-US" smtClean="0"/>
               <a:t>‹#›</a:t>
             </a:fld>
@@ -1461,7 +1461,7 @@
     </p:spTree>
     <p:extLst>
       <p:ext uri="{BB962C8B-B14F-4D97-AF65-F5344CB8AC3E}">
-        <p14:creationId xmlns:p14="http://schemas.microsoft.com/office/powerpoint/2010/main" val="52495069"/>
+        <p14:creationId xmlns:p14="http://schemas.microsoft.com/office/powerpoint/2010/main" val="1698359247"/>
       </p:ext>
     </p:extLst>
   </p:cSld>
@@ -1493,7 +1493,7 @@
           <p:cNvPr id="2" name="标题 1">
             <a:extLst>
               <a:ext uri="{FF2B5EF4-FFF2-40B4-BE49-F238E27FC236}">
-                <a16:creationId xmlns:a16="http://schemas.microsoft.com/office/drawing/2014/main" id="{6B33E7AC-2C0A-4B5C-9984-DE489264A455}"/>
+                <a16:creationId xmlns:a16="http://schemas.microsoft.com/office/drawing/2014/main" id="{7DCA0198-0DAD-CD7A-5290-B01993C701D9}"/>
               </a:ext>
             </a:extLst>
           </p:cNvPr>
@@ -1526,7 +1526,7 @@
           <p:cNvPr id="3" name="文本占位符 2">
             <a:extLst>
               <a:ext uri="{FF2B5EF4-FFF2-40B4-BE49-F238E27FC236}">
-                <a16:creationId xmlns:a16="http://schemas.microsoft.com/office/drawing/2014/main" id="{4592EDC8-3F9E-D350-6EF6-6D603F0D9530}"/>
+                <a16:creationId xmlns:a16="http://schemas.microsoft.com/office/drawing/2014/main" id="{84B36E5C-0B7E-62D1-E005-75F753792CCF}"/>
               </a:ext>
             </a:extLst>
           </p:cNvPr>
@@ -1597,7 +1597,7 @@
           <p:cNvPr id="4" name="内容占位符 3">
             <a:extLst>
               <a:ext uri="{FF2B5EF4-FFF2-40B4-BE49-F238E27FC236}">
-                <a16:creationId xmlns:a16="http://schemas.microsoft.com/office/drawing/2014/main" id="{1D1D44D8-1A8A-9E93-68BA-BCFCA3724BB9}"/>
+                <a16:creationId xmlns:a16="http://schemas.microsoft.com/office/drawing/2014/main" id="{076351EB-CD6F-78A2-BCCA-5BC0528CFDA3}"/>
               </a:ext>
             </a:extLst>
           </p:cNvPr>
@@ -1659,7 +1659,7 @@
           <p:cNvPr id="5" name="文本占位符 4">
             <a:extLst>
               <a:ext uri="{FF2B5EF4-FFF2-40B4-BE49-F238E27FC236}">
-                <a16:creationId xmlns:a16="http://schemas.microsoft.com/office/drawing/2014/main" id="{9B965659-4B2B-5204-452D-B2F9EF65937C}"/>
+                <a16:creationId xmlns:a16="http://schemas.microsoft.com/office/drawing/2014/main" id="{D96D3077-9D71-DD32-BF5E-16A237335EAC}"/>
               </a:ext>
             </a:extLst>
           </p:cNvPr>
@@ -1730,7 +1730,7 @@
           <p:cNvPr id="6" name="内容占位符 5">
             <a:extLst>
               <a:ext uri="{FF2B5EF4-FFF2-40B4-BE49-F238E27FC236}">
-                <a16:creationId xmlns:a16="http://schemas.microsoft.com/office/drawing/2014/main" id="{BC042E8F-08A3-282E-349D-E8D3CE6E6CCB}"/>
+                <a16:creationId xmlns:a16="http://schemas.microsoft.com/office/drawing/2014/main" id="{3A3377C6-74A4-9918-447B-715B7CF3ECBF}"/>
               </a:ext>
             </a:extLst>
           </p:cNvPr>
@@ -1792,7 +1792,7 @@
           <p:cNvPr id="7" name="日期占位符 6">
             <a:extLst>
               <a:ext uri="{FF2B5EF4-FFF2-40B4-BE49-F238E27FC236}">
-                <a16:creationId xmlns:a16="http://schemas.microsoft.com/office/drawing/2014/main" id="{6553A800-75C8-3B29-D6A9-E4B0BA0AE598}"/>
+                <a16:creationId xmlns:a16="http://schemas.microsoft.com/office/drawing/2014/main" id="{02678B11-8706-1609-0665-885A3C498136}"/>
               </a:ext>
             </a:extLst>
           </p:cNvPr>
@@ -1808,7 +1808,7 @@
           <a:bodyPr/>
           <a:lstStyle/>
           <a:p>
-            <a:fld id="{E9355CE5-B33E-41DA-B796-4186B9DB9C97}" type="datetimeFigureOut">
+            <a:fld id="{7BA3853D-5FDE-4C77-9E19-C9F8ACC9E5A5}" type="datetimeFigureOut">
               <a:rPr lang="zh-CN" altLang="en-US" smtClean="0"/>
               <a:t>2024/3/10</a:t>
             </a:fld>
@@ -1821,7 +1821,7 @@
           <p:cNvPr id="8" name="页脚占位符 7">
             <a:extLst>
               <a:ext uri="{FF2B5EF4-FFF2-40B4-BE49-F238E27FC236}">
-                <a16:creationId xmlns:a16="http://schemas.microsoft.com/office/drawing/2014/main" id="{B7212998-D659-F402-0A95-8A4E2233AC98}"/>
+                <a16:creationId xmlns:a16="http://schemas.microsoft.com/office/drawing/2014/main" id="{975912E4-882E-0B18-B7A0-E954B42039AA}"/>
               </a:ext>
             </a:extLst>
           </p:cNvPr>
@@ -1846,7 +1846,7 @@
           <p:cNvPr id="9" name="灯片编号占位符 8">
             <a:extLst>
               <a:ext uri="{FF2B5EF4-FFF2-40B4-BE49-F238E27FC236}">
-                <a16:creationId xmlns:a16="http://schemas.microsoft.com/office/drawing/2014/main" id="{72498D0A-2B86-0548-E02F-DB1FCAD03123}"/>
+                <a16:creationId xmlns:a16="http://schemas.microsoft.com/office/drawing/2014/main" id="{7F48B713-40BC-D527-E012-8C4D8529A060}"/>
               </a:ext>
             </a:extLst>
           </p:cNvPr>
@@ -1862,7 +1862,7 @@
           <a:bodyPr/>
           <a:lstStyle/>
           <a:p>
-            <a:fld id="{F2F061D3-AAE6-4141-8541-807CC74EE578}" type="slidenum">
+            <a:fld id="{CC798434-6F06-4313-8F99-9C33ABD7829E}" type="slidenum">
               <a:rPr lang="zh-CN" altLang="en-US" smtClean="0"/>
               <a:t>‹#›</a:t>
             </a:fld>
@@ -1873,7 +1873,7 @@
     </p:spTree>
     <p:extLst>
       <p:ext uri="{BB962C8B-B14F-4D97-AF65-F5344CB8AC3E}">
-        <p14:creationId xmlns:p14="http://schemas.microsoft.com/office/powerpoint/2010/main" val="2565465595"/>
+        <p14:creationId xmlns:p14="http://schemas.microsoft.com/office/powerpoint/2010/main" val="422382397"/>
       </p:ext>
     </p:extLst>
   </p:cSld>
@@ -1905,7 +1905,7 @@
           <p:cNvPr id="2" name="标题 1">
             <a:extLst>
               <a:ext uri="{FF2B5EF4-FFF2-40B4-BE49-F238E27FC236}">
-                <a16:creationId xmlns:a16="http://schemas.microsoft.com/office/drawing/2014/main" id="{E2A01348-FF6C-36EE-C401-78EB3092D88A}"/>
+                <a16:creationId xmlns:a16="http://schemas.microsoft.com/office/drawing/2014/main" id="{C02312BE-211A-ADFA-EF68-51A9E00DFE9D}"/>
               </a:ext>
             </a:extLst>
           </p:cNvPr>
@@ -1933,7 +1933,7 @@
           <p:cNvPr id="3" name="日期占位符 2">
             <a:extLst>
               <a:ext uri="{FF2B5EF4-FFF2-40B4-BE49-F238E27FC236}">
-                <a16:creationId xmlns:a16="http://schemas.microsoft.com/office/drawing/2014/main" id="{AA675520-5BD0-3C3A-A7DF-74F6E28A9725}"/>
+                <a16:creationId xmlns:a16="http://schemas.microsoft.com/office/drawing/2014/main" id="{B026A9F3-8658-2538-A30A-482D4061658E}"/>
               </a:ext>
             </a:extLst>
           </p:cNvPr>
@@ -1949,7 +1949,7 @@
           <a:bodyPr/>
           <a:lstStyle/>
           <a:p>
-            <a:fld id="{E9355CE5-B33E-41DA-B796-4186B9DB9C97}" type="datetimeFigureOut">
+            <a:fld id="{7BA3853D-5FDE-4C77-9E19-C9F8ACC9E5A5}" type="datetimeFigureOut">
               <a:rPr lang="zh-CN" altLang="en-US" smtClean="0"/>
               <a:t>2024/3/10</a:t>
             </a:fld>
@@ -1962,7 +1962,7 @@
           <p:cNvPr id="4" name="页脚占位符 3">
             <a:extLst>
               <a:ext uri="{FF2B5EF4-FFF2-40B4-BE49-F238E27FC236}">
-                <a16:creationId xmlns:a16="http://schemas.microsoft.com/office/drawing/2014/main" id="{4FDCF018-3873-AABD-9B2D-33A03F47955C}"/>
+                <a16:creationId xmlns:a16="http://schemas.microsoft.com/office/drawing/2014/main" id="{18992A67-8C81-DD5B-6587-7B9002B2AD81}"/>
               </a:ext>
             </a:extLst>
           </p:cNvPr>
@@ -1987,7 +1987,7 @@
           <p:cNvPr id="5" name="灯片编号占位符 4">
             <a:extLst>
               <a:ext uri="{FF2B5EF4-FFF2-40B4-BE49-F238E27FC236}">
-                <a16:creationId xmlns:a16="http://schemas.microsoft.com/office/drawing/2014/main" id="{AA9ACAE8-F042-5A61-AD19-595348C5B3BB}"/>
+                <a16:creationId xmlns:a16="http://schemas.microsoft.com/office/drawing/2014/main" id="{9BDD980D-C641-51CB-5BAB-DF90F70672D8}"/>
               </a:ext>
             </a:extLst>
           </p:cNvPr>
@@ -2003,7 +2003,7 @@
           <a:bodyPr/>
           <a:lstStyle/>
           <a:p>
-            <a:fld id="{F2F061D3-AAE6-4141-8541-807CC74EE578}" type="slidenum">
+            <a:fld id="{CC798434-6F06-4313-8F99-9C33ABD7829E}" type="slidenum">
               <a:rPr lang="zh-CN" altLang="en-US" smtClean="0"/>
               <a:t>‹#›</a:t>
             </a:fld>
@@ -2014,7 +2014,7 @@
     </p:spTree>
     <p:extLst>
       <p:ext uri="{BB962C8B-B14F-4D97-AF65-F5344CB8AC3E}">
-        <p14:creationId xmlns:p14="http://schemas.microsoft.com/office/powerpoint/2010/main" val="794298672"/>
+        <p14:creationId xmlns:p14="http://schemas.microsoft.com/office/powerpoint/2010/main" val="1134749423"/>
       </p:ext>
     </p:extLst>
   </p:cSld>
@@ -2046,7 +2046,7 @@
           <p:cNvPr id="2" name="日期占位符 1">
             <a:extLst>
               <a:ext uri="{FF2B5EF4-FFF2-40B4-BE49-F238E27FC236}">
-                <a16:creationId xmlns:a16="http://schemas.microsoft.com/office/drawing/2014/main" id="{8EA64D35-CC9E-5BBD-CAB3-6A86CDF7011A}"/>
+                <a16:creationId xmlns:a16="http://schemas.microsoft.com/office/drawing/2014/main" id="{DB871CC8-0C33-DB3F-8F4A-DAFBC371FB84}"/>
               </a:ext>
             </a:extLst>
           </p:cNvPr>
@@ -2062,7 +2062,7 @@
           <a:bodyPr/>
           <a:lstStyle/>
           <a:p>
-            <a:fld id="{E9355CE5-B33E-41DA-B796-4186B9DB9C97}" type="datetimeFigureOut">
+            <a:fld id="{7BA3853D-5FDE-4C77-9E19-C9F8ACC9E5A5}" type="datetimeFigureOut">
               <a:rPr lang="zh-CN" altLang="en-US" smtClean="0"/>
               <a:t>2024/3/10</a:t>
             </a:fld>
@@ -2075,7 +2075,7 @@
           <p:cNvPr id="3" name="页脚占位符 2">
             <a:extLst>
               <a:ext uri="{FF2B5EF4-FFF2-40B4-BE49-F238E27FC236}">
-                <a16:creationId xmlns:a16="http://schemas.microsoft.com/office/drawing/2014/main" id="{1C2EA380-449A-078F-BCA6-79239716392C}"/>
+                <a16:creationId xmlns:a16="http://schemas.microsoft.com/office/drawing/2014/main" id="{3AFE5F29-3FA4-1FF1-3FBE-15DA26DC2459}"/>
               </a:ext>
             </a:extLst>
           </p:cNvPr>
@@ -2100,7 +2100,7 @@
           <p:cNvPr id="4" name="灯片编号占位符 3">
             <a:extLst>
               <a:ext uri="{FF2B5EF4-FFF2-40B4-BE49-F238E27FC236}">
-                <a16:creationId xmlns:a16="http://schemas.microsoft.com/office/drawing/2014/main" id="{FAB9011F-2938-10EE-78BB-BACFD255A276}"/>
+                <a16:creationId xmlns:a16="http://schemas.microsoft.com/office/drawing/2014/main" id="{25193B47-AC02-A79E-4C4F-49542B805341}"/>
               </a:ext>
             </a:extLst>
           </p:cNvPr>
@@ -2116,7 +2116,7 @@
           <a:bodyPr/>
           <a:lstStyle/>
           <a:p>
-            <a:fld id="{F2F061D3-AAE6-4141-8541-807CC74EE578}" type="slidenum">
+            <a:fld id="{CC798434-6F06-4313-8F99-9C33ABD7829E}" type="slidenum">
               <a:rPr lang="zh-CN" altLang="en-US" smtClean="0"/>
               <a:t>‹#›</a:t>
             </a:fld>
@@ -2127,7 +2127,7 @@
     </p:spTree>
     <p:extLst>
       <p:ext uri="{BB962C8B-B14F-4D97-AF65-F5344CB8AC3E}">
-        <p14:creationId xmlns:p14="http://schemas.microsoft.com/office/powerpoint/2010/main" val="879298544"/>
+        <p14:creationId xmlns:p14="http://schemas.microsoft.com/office/powerpoint/2010/main" val="3432973242"/>
       </p:ext>
     </p:extLst>
   </p:cSld>
@@ -2159,7 +2159,7 @@
           <p:cNvPr id="2" name="标题 1">
             <a:extLst>
               <a:ext uri="{FF2B5EF4-FFF2-40B4-BE49-F238E27FC236}">
-                <a16:creationId xmlns:a16="http://schemas.microsoft.com/office/drawing/2014/main" id="{10709411-7885-45D3-CA70-CB0720C01430}"/>
+                <a16:creationId xmlns:a16="http://schemas.microsoft.com/office/drawing/2014/main" id="{8FF34A00-1FFA-2DC3-B964-BF7D9C1EF9BA}"/>
               </a:ext>
             </a:extLst>
           </p:cNvPr>
@@ -2196,7 +2196,7 @@
           <p:cNvPr id="3" name="内容占位符 2">
             <a:extLst>
               <a:ext uri="{FF2B5EF4-FFF2-40B4-BE49-F238E27FC236}">
-                <a16:creationId xmlns:a16="http://schemas.microsoft.com/office/drawing/2014/main" id="{6823DB06-ADB0-081D-D59B-E990D97A5880}"/>
+                <a16:creationId xmlns:a16="http://schemas.microsoft.com/office/drawing/2014/main" id="{472E098A-F2EB-803B-3958-3C125EC390CF}"/>
               </a:ext>
             </a:extLst>
           </p:cNvPr>
@@ -2286,7 +2286,7 @@
           <p:cNvPr id="4" name="文本占位符 3">
             <a:extLst>
               <a:ext uri="{FF2B5EF4-FFF2-40B4-BE49-F238E27FC236}">
-                <a16:creationId xmlns:a16="http://schemas.microsoft.com/office/drawing/2014/main" id="{63105E72-D830-2FF5-488C-EC5E702B7B5D}"/>
+                <a16:creationId xmlns:a16="http://schemas.microsoft.com/office/drawing/2014/main" id="{3982494A-4F6E-DA2E-666F-71372FD296F6}"/>
               </a:ext>
             </a:extLst>
           </p:cNvPr>
@@ -2357,7 +2357,7 @@
           <p:cNvPr id="5" name="日期占位符 4">
             <a:extLst>
               <a:ext uri="{FF2B5EF4-FFF2-40B4-BE49-F238E27FC236}">
-                <a16:creationId xmlns:a16="http://schemas.microsoft.com/office/drawing/2014/main" id="{FDE46B5A-14B1-0206-B577-1CEFFD8FD428}"/>
+                <a16:creationId xmlns:a16="http://schemas.microsoft.com/office/drawing/2014/main" id="{C872F5AB-5738-484E-EA22-B22898047E18}"/>
               </a:ext>
             </a:extLst>
           </p:cNvPr>
@@ -2373,7 +2373,7 @@
           <a:bodyPr/>
           <a:lstStyle/>
           <a:p>
-            <a:fld id="{E9355CE5-B33E-41DA-B796-4186B9DB9C97}" type="datetimeFigureOut">
+            <a:fld id="{7BA3853D-5FDE-4C77-9E19-C9F8ACC9E5A5}" type="datetimeFigureOut">
               <a:rPr lang="zh-CN" altLang="en-US" smtClean="0"/>
               <a:t>2024/3/10</a:t>
             </a:fld>
@@ -2386,7 +2386,7 @@
           <p:cNvPr id="6" name="页脚占位符 5">
             <a:extLst>
               <a:ext uri="{FF2B5EF4-FFF2-40B4-BE49-F238E27FC236}">
-                <a16:creationId xmlns:a16="http://schemas.microsoft.com/office/drawing/2014/main" id="{CC8FD4A1-1448-A94F-6C50-6C99DD7AE8A3}"/>
+                <a16:creationId xmlns:a16="http://schemas.microsoft.com/office/drawing/2014/main" id="{E6725E49-CDF5-1ACB-4DD9-53600477D9A7}"/>
               </a:ext>
             </a:extLst>
           </p:cNvPr>
@@ -2411,7 +2411,7 @@
           <p:cNvPr id="7" name="灯片编号占位符 6">
             <a:extLst>
               <a:ext uri="{FF2B5EF4-FFF2-40B4-BE49-F238E27FC236}">
-                <a16:creationId xmlns:a16="http://schemas.microsoft.com/office/drawing/2014/main" id="{7B7397E4-6778-82FA-BCBF-B990C211E59B}"/>
+                <a16:creationId xmlns:a16="http://schemas.microsoft.com/office/drawing/2014/main" id="{79D5064B-C8A6-3413-F187-91D04B060305}"/>
               </a:ext>
             </a:extLst>
           </p:cNvPr>
@@ -2427,7 +2427,7 @@
           <a:bodyPr/>
           <a:lstStyle/>
           <a:p>
-            <a:fld id="{F2F061D3-AAE6-4141-8541-807CC74EE578}" type="slidenum">
+            <a:fld id="{CC798434-6F06-4313-8F99-9C33ABD7829E}" type="slidenum">
               <a:rPr lang="zh-CN" altLang="en-US" smtClean="0"/>
               <a:t>‹#›</a:t>
             </a:fld>
@@ -2438,7 +2438,7 @@
     </p:spTree>
     <p:extLst>
       <p:ext uri="{BB962C8B-B14F-4D97-AF65-F5344CB8AC3E}">
-        <p14:creationId xmlns:p14="http://schemas.microsoft.com/office/powerpoint/2010/main" val="1472373604"/>
+        <p14:creationId xmlns:p14="http://schemas.microsoft.com/office/powerpoint/2010/main" val="3753382657"/>
       </p:ext>
     </p:extLst>
   </p:cSld>
@@ -2470,7 +2470,7 @@
           <p:cNvPr id="2" name="标题 1">
             <a:extLst>
               <a:ext uri="{FF2B5EF4-FFF2-40B4-BE49-F238E27FC236}">
-                <a16:creationId xmlns:a16="http://schemas.microsoft.com/office/drawing/2014/main" id="{58DA98B3-B110-1556-DA18-35A7EFC9C9A6}"/>
+                <a16:creationId xmlns:a16="http://schemas.microsoft.com/office/drawing/2014/main" id="{1E6F94E3-EABE-A4F5-AA8D-63306FCDB042}"/>
               </a:ext>
             </a:extLst>
           </p:cNvPr>
@@ -2507,7 +2507,7 @@
           <p:cNvPr id="3" name="图片占位符 2">
             <a:extLst>
               <a:ext uri="{FF2B5EF4-FFF2-40B4-BE49-F238E27FC236}">
-                <a16:creationId xmlns:a16="http://schemas.microsoft.com/office/drawing/2014/main" id="{FFC7FA58-7C2F-2659-1BC9-599F3F5A817C}"/>
+                <a16:creationId xmlns:a16="http://schemas.microsoft.com/office/drawing/2014/main" id="{E8CF2CDF-920A-9FDA-4650-4D8750AD4003}"/>
               </a:ext>
             </a:extLst>
           </p:cNvPr>
@@ -2574,7 +2574,7 @@
           <p:cNvPr id="4" name="文本占位符 3">
             <a:extLst>
               <a:ext uri="{FF2B5EF4-FFF2-40B4-BE49-F238E27FC236}">
-                <a16:creationId xmlns:a16="http://schemas.microsoft.com/office/drawing/2014/main" id="{1BC2B36A-38C1-9F32-9C98-8F2FC689301A}"/>
+                <a16:creationId xmlns:a16="http://schemas.microsoft.com/office/drawing/2014/main" id="{DD35291B-1802-F03D-2C7A-6F1C0785B057}"/>
               </a:ext>
             </a:extLst>
           </p:cNvPr>
@@ -2645,7 +2645,7 @@
           <p:cNvPr id="5" name="日期占位符 4">
             <a:extLst>
               <a:ext uri="{FF2B5EF4-FFF2-40B4-BE49-F238E27FC236}">
-                <a16:creationId xmlns:a16="http://schemas.microsoft.com/office/drawing/2014/main" id="{BDC5B21F-234C-4000-5043-23485867871E}"/>
+                <a16:creationId xmlns:a16="http://schemas.microsoft.com/office/drawing/2014/main" id="{4089081E-7D5A-8689-0E34-F908505B862B}"/>
               </a:ext>
             </a:extLst>
           </p:cNvPr>
@@ -2661,7 +2661,7 @@
           <a:bodyPr/>
           <a:lstStyle/>
           <a:p>
-            <a:fld id="{E9355CE5-B33E-41DA-B796-4186B9DB9C97}" type="datetimeFigureOut">
+            <a:fld id="{7BA3853D-5FDE-4C77-9E19-C9F8ACC9E5A5}" type="datetimeFigureOut">
               <a:rPr lang="zh-CN" altLang="en-US" smtClean="0"/>
               <a:t>2024/3/10</a:t>
             </a:fld>
@@ -2674,7 +2674,7 @@
           <p:cNvPr id="6" name="页脚占位符 5">
             <a:extLst>
               <a:ext uri="{FF2B5EF4-FFF2-40B4-BE49-F238E27FC236}">
-                <a16:creationId xmlns:a16="http://schemas.microsoft.com/office/drawing/2014/main" id="{581289F0-1CA1-FAE0-211B-8D145A7B7855}"/>
+                <a16:creationId xmlns:a16="http://schemas.microsoft.com/office/drawing/2014/main" id="{27FE1B39-697B-272C-BA64-33BBA7F15F91}"/>
               </a:ext>
             </a:extLst>
           </p:cNvPr>
@@ -2699,7 +2699,7 @@
           <p:cNvPr id="7" name="灯片编号占位符 6">
             <a:extLst>
               <a:ext uri="{FF2B5EF4-FFF2-40B4-BE49-F238E27FC236}">
-                <a16:creationId xmlns:a16="http://schemas.microsoft.com/office/drawing/2014/main" id="{A53F1EB5-4800-24C2-6629-E4B3C4442F55}"/>
+                <a16:creationId xmlns:a16="http://schemas.microsoft.com/office/drawing/2014/main" id="{2893FAB9-3556-7555-CFF1-93722296F515}"/>
               </a:ext>
             </a:extLst>
           </p:cNvPr>
@@ -2715,7 +2715,7 @@
           <a:bodyPr/>
           <a:lstStyle/>
           <a:p>
-            <a:fld id="{F2F061D3-AAE6-4141-8541-807CC74EE578}" type="slidenum">
+            <a:fld id="{CC798434-6F06-4313-8F99-9C33ABD7829E}" type="slidenum">
               <a:rPr lang="zh-CN" altLang="en-US" smtClean="0"/>
               <a:t>‹#›</a:t>
             </a:fld>
@@ -2726,7 +2726,7 @@
     </p:spTree>
     <p:extLst>
       <p:ext uri="{BB962C8B-B14F-4D97-AF65-F5344CB8AC3E}">
-        <p14:creationId xmlns:p14="http://schemas.microsoft.com/office/powerpoint/2010/main" val="2846553408"/>
+        <p14:creationId xmlns:p14="http://schemas.microsoft.com/office/powerpoint/2010/main" val="390912235"/>
       </p:ext>
     </p:extLst>
   </p:cSld>
@@ -2763,7 +2763,7 @@
           <p:cNvPr id="2" name="标题占位符 1">
             <a:extLst>
               <a:ext uri="{FF2B5EF4-FFF2-40B4-BE49-F238E27FC236}">
-                <a16:creationId xmlns:a16="http://schemas.microsoft.com/office/drawing/2014/main" id="{A465AA0A-36B7-5CFF-38A2-F90BFEF03A3D}"/>
+                <a16:creationId xmlns:a16="http://schemas.microsoft.com/office/drawing/2014/main" id="{8B52DB49-DDC4-ADD9-38B2-E901DA6D2D2D}"/>
               </a:ext>
             </a:extLst>
           </p:cNvPr>
@@ -2801,7 +2801,7 @@
           <p:cNvPr id="3" name="文本占位符 2">
             <a:extLst>
               <a:ext uri="{FF2B5EF4-FFF2-40B4-BE49-F238E27FC236}">
-                <a16:creationId xmlns:a16="http://schemas.microsoft.com/office/drawing/2014/main" id="{58FDFE92-F9C4-084A-D72C-9C0F61C74411}"/>
+                <a16:creationId xmlns:a16="http://schemas.microsoft.com/office/drawing/2014/main" id="{9D4AD98D-EC24-11AF-51DF-217A809FCB1C}"/>
               </a:ext>
             </a:extLst>
           </p:cNvPr>
@@ -2868,7 +2868,7 @@
           <p:cNvPr id="4" name="日期占位符 3">
             <a:extLst>
               <a:ext uri="{FF2B5EF4-FFF2-40B4-BE49-F238E27FC236}">
-                <a16:creationId xmlns:a16="http://schemas.microsoft.com/office/drawing/2014/main" id="{67496E87-54BC-07F8-8967-CFC1FD7E478C}"/>
+                <a16:creationId xmlns:a16="http://schemas.microsoft.com/office/drawing/2014/main" id="{C260B452-92A9-949A-3547-FCB483F26248}"/>
               </a:ext>
             </a:extLst>
           </p:cNvPr>
@@ -2902,7 +2902,7 @@
             </a:lvl1pPr>
           </a:lstStyle>
           <a:p>
-            <a:fld id="{E9355CE5-B33E-41DA-B796-4186B9DB9C97}" type="datetimeFigureOut">
+            <a:fld id="{7BA3853D-5FDE-4C77-9E19-C9F8ACC9E5A5}" type="datetimeFigureOut">
               <a:rPr lang="zh-CN" altLang="en-US" smtClean="0"/>
               <a:t>2024/3/10</a:t>
             </a:fld>
@@ -2915,7 +2915,7 @@
           <p:cNvPr id="5" name="页脚占位符 4">
             <a:extLst>
               <a:ext uri="{FF2B5EF4-FFF2-40B4-BE49-F238E27FC236}">
-                <a16:creationId xmlns:a16="http://schemas.microsoft.com/office/drawing/2014/main" id="{8911C100-B1A2-F1B2-A6A3-CCF7F0D6FBF6}"/>
+                <a16:creationId xmlns:a16="http://schemas.microsoft.com/office/drawing/2014/main" id="{D76978BE-9FBC-9FA5-D874-BBA717585B5D}"/>
               </a:ext>
             </a:extLst>
           </p:cNvPr>
@@ -2958,7 +2958,7 @@
           <p:cNvPr id="6" name="灯片编号占位符 5">
             <a:extLst>
               <a:ext uri="{FF2B5EF4-FFF2-40B4-BE49-F238E27FC236}">
-                <a16:creationId xmlns:a16="http://schemas.microsoft.com/office/drawing/2014/main" id="{60A32BF3-D207-F768-666E-D3C9131B6F09}"/>
+                <a16:creationId xmlns:a16="http://schemas.microsoft.com/office/drawing/2014/main" id="{701C9C26-6A90-6336-982F-039C596A6664}"/>
               </a:ext>
             </a:extLst>
           </p:cNvPr>
@@ -2992,7 +2992,7 @@
             </a:lvl1pPr>
           </a:lstStyle>
           <a:p>
-            <a:fld id="{F2F061D3-AAE6-4141-8541-807CC74EE578}" type="slidenum">
+            <a:fld id="{CC798434-6F06-4313-8F99-9C33ABD7829E}" type="slidenum">
               <a:rPr lang="zh-CN" altLang="en-US" smtClean="0"/>
               <a:t>‹#›</a:t>
             </a:fld>
@@ -3003,7 +3003,7 @@
     </p:spTree>
     <p:extLst>
       <p:ext uri="{BB962C8B-B14F-4D97-AF65-F5344CB8AC3E}">
-        <p14:creationId xmlns:p14="http://schemas.microsoft.com/office/powerpoint/2010/main" val="3656330046"/>
+        <p14:creationId xmlns:p14="http://schemas.microsoft.com/office/powerpoint/2010/main" val="219080742"/>
       </p:ext>
     </p:extLst>
   </p:cSld>
@@ -3323,7 +3323,7 @@
       </p:grpSpPr>
       <p:pic>
         <p:nvPicPr>
-          <p:cNvPr id="538626" name="Picture 2" descr="525"/>
+          <p:cNvPr id="539650" name="Picture 2" descr="526"/>
           <p:cNvPicPr>
             <a:picLocks noChangeAspect="1" noChangeArrowheads="1"/>
           </p:cNvPicPr>
@@ -3344,8 +3344,8 @@
         </p:blipFill>
         <p:spPr bwMode="auto">
           <a:xfrm>
-            <a:off x="1524000" y="0"/>
-            <a:ext cx="9144000" cy="6858000"/>
+            <a:off x="1524000" y="1"/>
+            <a:ext cx="9144000" cy="4868863"/>
           </a:xfrm>
           <a:prstGeom prst="rect">
             <a:avLst/>
